--- a/Project.pptx
+++ b/Project.pptx
@@ -179,7 +179,7 @@
                 <c:formatCode>General</c:formatCode>
                 <c:ptCount val="4"/>
                 <c:pt idx="0">
-                  <c:v>4.14299964905</c:v>
+                  <c:v>4.142999649049999</c:v>
                 </c:pt>
                 <c:pt idx="1">
                   <c:v>40792.2799587</c:v>
@@ -245,11 +245,11 @@
         </c:dLbls>
         <c:marker val="1"/>
         <c:smooth val="0"/>
-        <c:axId val="-2114279720"/>
-        <c:axId val="-2114276744"/>
+        <c:axId val="-2096037512"/>
+        <c:axId val="-2096040504"/>
       </c:lineChart>
       <c:catAx>
-        <c:axId val="-2114279720"/>
+        <c:axId val="-2096037512"/>
         <c:scaling>
           <c:orientation val="minMax"/>
         </c:scaling>
@@ -258,7 +258,7 @@
         <c:majorTickMark val="none"/>
         <c:minorTickMark val="none"/>
         <c:tickLblPos val="nextTo"/>
-        <c:crossAx val="-2114276744"/>
+        <c:crossAx val="-2096040504"/>
         <c:crosses val="autoZero"/>
         <c:auto val="1"/>
         <c:lblAlgn val="ctr"/>
@@ -266,7 +266,7 @@
         <c:noMultiLvlLbl val="0"/>
       </c:catAx>
       <c:valAx>
-        <c:axId val="-2114276744"/>
+        <c:axId val="-2096040504"/>
         <c:scaling>
           <c:orientation val="minMax"/>
         </c:scaling>
@@ -296,7 +296,7 @@
         <c:majorTickMark val="none"/>
         <c:minorTickMark val="none"/>
         <c:tickLblPos val="nextTo"/>
-        <c:crossAx val="-2114279720"/>
+        <c:crossAx val="-2096037512"/>
         <c:crosses val="autoZero"/>
         <c:crossBetween val="between"/>
       </c:valAx>
@@ -412,11 +412,11 @@
         </c:dLbls>
         <c:marker val="1"/>
         <c:smooth val="0"/>
-        <c:axId val="2133095064"/>
-        <c:axId val="2133098008"/>
+        <c:axId val="-2093854216"/>
+        <c:axId val="-2093851272"/>
       </c:lineChart>
       <c:catAx>
-        <c:axId val="2133095064"/>
+        <c:axId val="-2093854216"/>
         <c:scaling>
           <c:orientation val="minMax"/>
         </c:scaling>
@@ -425,7 +425,7 @@
         <c:majorTickMark val="none"/>
         <c:minorTickMark val="none"/>
         <c:tickLblPos val="nextTo"/>
-        <c:crossAx val="2133098008"/>
+        <c:crossAx val="-2093851272"/>
         <c:crosses val="autoZero"/>
         <c:auto val="1"/>
         <c:lblAlgn val="ctr"/>
@@ -433,7 +433,7 @@
         <c:noMultiLvlLbl val="0"/>
       </c:catAx>
       <c:valAx>
-        <c:axId val="2133098008"/>
+        <c:axId val="-2093851272"/>
         <c:scaling>
           <c:orientation val="minMax"/>
         </c:scaling>
@@ -468,7 +468,7 @@
         <c:majorTickMark val="none"/>
         <c:minorTickMark val="none"/>
         <c:tickLblPos val="nextTo"/>
-        <c:crossAx val="2133095064"/>
+        <c:crossAx val="-2093854216"/>
         <c:crosses val="autoZero"/>
         <c:crossBetween val="between"/>
       </c:valAx>
@@ -617,11 +617,11 @@
         </c:dLbls>
         <c:marker val="1"/>
         <c:smooth val="0"/>
-        <c:axId val="-2114994424"/>
-        <c:axId val="-2114491144"/>
+        <c:axId val="-2093813880"/>
+        <c:axId val="-2093810904"/>
       </c:lineChart>
       <c:catAx>
-        <c:axId val="-2114994424"/>
+        <c:axId val="-2093813880"/>
         <c:scaling>
           <c:orientation val="minMax"/>
         </c:scaling>
@@ -630,7 +630,7 @@
         <c:majorTickMark val="none"/>
         <c:minorTickMark val="none"/>
         <c:tickLblPos val="nextTo"/>
-        <c:crossAx val="-2114491144"/>
+        <c:crossAx val="-2093810904"/>
         <c:crosses val="autoZero"/>
         <c:auto val="1"/>
         <c:lblAlgn val="ctr"/>
@@ -638,7 +638,7 @@
         <c:noMultiLvlLbl val="0"/>
       </c:catAx>
       <c:valAx>
-        <c:axId val="-2114491144"/>
+        <c:axId val="-2093810904"/>
         <c:scaling>
           <c:orientation val="minMax"/>
         </c:scaling>
@@ -668,7 +668,7 @@
         <c:majorTickMark val="none"/>
         <c:minorTickMark val="none"/>
         <c:tickLblPos val="nextTo"/>
-        <c:crossAx val="-2114994424"/>
+        <c:crossAx val="-2093813880"/>
         <c:crosses val="autoZero"/>
         <c:crossBetween val="between"/>
       </c:valAx>
@@ -782,11 +782,11 @@
         </c:dLbls>
         <c:marker val="1"/>
         <c:smooth val="0"/>
-        <c:axId val="2138599016"/>
-        <c:axId val="2133459752"/>
+        <c:axId val="-2093776920"/>
+        <c:axId val="-2093773976"/>
       </c:lineChart>
       <c:catAx>
-        <c:axId val="2138599016"/>
+        <c:axId val="-2093776920"/>
         <c:scaling>
           <c:orientation val="minMax"/>
         </c:scaling>
@@ -795,7 +795,7 @@
         <c:majorTickMark val="none"/>
         <c:minorTickMark val="none"/>
         <c:tickLblPos val="nextTo"/>
-        <c:crossAx val="2133459752"/>
+        <c:crossAx val="-2093773976"/>
         <c:crosses val="autoZero"/>
         <c:auto val="1"/>
         <c:lblAlgn val="ctr"/>
@@ -803,7 +803,7 @@
         <c:noMultiLvlLbl val="0"/>
       </c:catAx>
       <c:valAx>
-        <c:axId val="2133459752"/>
+        <c:axId val="-2093773976"/>
         <c:scaling>
           <c:orientation val="minMax"/>
         </c:scaling>
@@ -833,7 +833,7 @@
         <c:majorTickMark val="none"/>
         <c:minorTickMark val="none"/>
         <c:tickLblPos val="nextTo"/>
-        <c:crossAx val="2138599016"/>
+        <c:crossAx val="-2093776920"/>
         <c:crosses val="autoZero"/>
         <c:crossBetween val="between"/>
       </c:valAx>
@@ -6872,11 +6872,7 @@
           <a:p>
             <a:r>
               <a:rPr lang="en-US" dirty="0" smtClean="0"/>
-              <a:t>Improved solution is better than trivial solution in all benchmarks, especially </a:t>
-            </a:r>
-            <a:r>
-              <a:rPr lang="en-US" dirty="0" smtClean="0"/>
-              <a:t>time and accuracy of minimum haplotype set</a:t>
+              <a:t>Improved solution is better than trivial solution in all benchmarks, especially time and accuracy of minimum haplotype set</a:t>
             </a:r>
           </a:p>
           <a:p>
@@ -6991,39 +6987,19 @@
           <a:p>
             <a:r>
               <a:rPr lang="en-US" dirty="0" smtClean="0"/>
-              <a:t>The problem is gene sequencers can not </a:t>
-            </a:r>
+              <a:t>The problem is gene sequencers can not distinguish the haplotype the parent passed on to the child, haplotype phasing is needed</a:t>
+            </a:r>
+          </a:p>
+          <a:p>
             <a:r>
               <a:rPr lang="en-US" dirty="0" smtClean="0"/>
-              <a:t>distinguish the haplotype the parent passed on to the child, </a:t>
-            </a:r>
+              <a:t>Study of traits that survive through generations as they are more likely to be inherited together</a:t>
+            </a:r>
+          </a:p>
+          <a:p>
             <a:r>
               <a:rPr lang="en-US" dirty="0" smtClean="0"/>
-              <a:t>haplotype phasing is needed</a:t>
-            </a:r>
-          </a:p>
-          <a:p>
-            <a:r>
-              <a:rPr lang="en-US" dirty="0" smtClean="0"/>
-              <a:t>Study of traits that survive through generations as they are more likely to be inherited </a:t>
-            </a:r>
-            <a:r>
-              <a:rPr lang="en-US" dirty="0" smtClean="0"/>
-              <a:t>together</a:t>
-            </a:r>
-          </a:p>
-          <a:p>
-            <a:r>
-              <a:rPr lang="en-US" dirty="0" smtClean="0"/>
-              <a:t>Also </a:t>
-            </a:r>
-            <a:r>
-              <a:rPr lang="en-US" dirty="0" smtClean="0"/>
-              <a:t>help study SNP’s that are closely associated to help facilitate learning more about genetic </a:t>
-            </a:r>
-            <a:r>
-              <a:rPr lang="en-US" dirty="0" smtClean="0"/>
-              <a:t>diseases</a:t>
+              <a:t>Also help study SNP’s that are closely associated to help facilitate learning more about genetic diseases</a:t>
             </a:r>
           </a:p>
           <a:p>
@@ -7139,37 +7115,13 @@
           <a:p>
             <a:r>
               <a:rPr lang="en-US" dirty="0" smtClean="0"/>
-              <a:t>Input: A matrix of n x m genotype reads of n individuals </a:t>
-            </a:r>
+              <a:t>Input: A matrix of n x m genotype reads of n individuals of m SNPs</a:t>
+            </a:r>
+          </a:p>
+          <a:p>
             <a:r>
               <a:rPr lang="en-US" dirty="0" smtClean="0"/>
-              <a:t>of</a:t>
-            </a:r>
-            <a:r>
-              <a:rPr lang="en-US" dirty="0" smtClean="0"/>
-              <a:t> </a:t>
-            </a:r>
-            <a:r>
-              <a:rPr lang="en-US" dirty="0" smtClean="0"/>
-              <a:t>m SNPs</a:t>
-            </a:r>
-          </a:p>
-          <a:p>
-            <a:r>
-              <a:rPr lang="en-US" dirty="0" smtClean="0"/>
-              <a:t>Output: A set of haplotypes n x m of n haplotypes </a:t>
-            </a:r>
-            <a:r>
-              <a:rPr lang="en-US" dirty="0" smtClean="0"/>
-              <a:t>of</a:t>
-            </a:r>
-            <a:r>
-              <a:rPr lang="en-US" dirty="0" smtClean="0"/>
-              <a:t> </a:t>
-            </a:r>
-            <a:r>
-              <a:rPr lang="en-US" dirty="0" smtClean="0"/>
-              <a:t>m SNPs</a:t>
+              <a:t>Output: A set of haplotypes n x m of n haplotypes of m SNPs</a:t>
             </a:r>
             <a:endParaRPr lang="en-US" dirty="0"/>
           </a:p>
@@ -7327,11 +7279,7 @@
           <a:p>
             <a:r>
               <a:rPr lang="en-US" dirty="0" smtClean="0"/>
-              <a:t>This is extended to all the SNPs by doing a Cartesian product on all the possibilities of a </a:t>
-            </a:r>
-            <a:r>
-              <a:rPr lang="en-US" dirty="0" smtClean="0"/>
-              <a:t>haplotype</a:t>
+              <a:t>This is extended to all the SNPs by doing a Cartesian product on all the possibilities of a haplotype</a:t>
             </a:r>
           </a:p>
           <a:p>
@@ -7485,7 +7433,6 @@
               <a:rPr lang="en-US" dirty="0" smtClean="0"/>
               <a:t>Greedy solution so may or may not be optimal</a:t>
             </a:r>
-            <a:endParaRPr lang="en-US" dirty="0" smtClean="0"/>
           </a:p>
         </p:txBody>
       </p:sp>
@@ -8096,7 +8043,7 @@
   <a:extraClrSchemeLst/>
   <a:extLst>
     <a:ext uri="{05A4C25C-085E-4340-85A3-A5531E510DB2}">
-      <thm15:themeFamily xmlns="" xmlns:thm15="http://schemas.microsoft.com/office/thememl/2012/main" name="Ion" id="{B8441ADB-2E43-4AF7-B97A-BD870242C6A8}" vid="{292E63A9-BB86-4E3D-B92A-7223C6510D2E}"/>
+      <thm15:themeFamily xmlns:thm15="http://schemas.microsoft.com/office/thememl/2012/main" xmlns="" name="Ion" id="{B8441ADB-2E43-4AF7-B97A-BD870242C6A8}" vid="{292E63A9-BB86-4E3D-B92A-7223C6510D2E}"/>
     </a:ext>
   </a:extLst>
 </a:theme>
